--- a/GTBR_presentation.pptx
+++ b/GTBR_presentation.pptx
@@ -222,7 +222,7 @@
           <a:p>
             <a:fld id="{18DCCD61-643D-44A5-A450-3A42A50CBC1E}" type="datetimeFigureOut">
               <a:rPr lang="en-US" smtClean="0"/>
-              <a:t>9/23/2021</a:t>
+              <a:t>9/30/2021</a:t>
             </a:fld>
             <a:endParaRPr lang="en-US"/>
           </a:p>
@@ -497,7 +497,7 @@
           <a:p>
             <a:fld id="{18DCCD61-643D-44A5-A450-3A42A50CBC1E}" type="datetimeFigureOut">
               <a:rPr lang="en-US" smtClean="0"/>
-              <a:t>9/23/2021</a:t>
+              <a:t>9/30/2021</a:t>
             </a:fld>
             <a:endParaRPr lang="en-US"/>
           </a:p>
@@ -749,7 +749,7 @@
           <a:p>
             <a:fld id="{18DCCD61-643D-44A5-A450-3A42A50CBC1E}" type="datetimeFigureOut">
               <a:rPr lang="en-US" smtClean="0"/>
-              <a:t>9/23/2021</a:t>
+              <a:t>9/30/2021</a:t>
             </a:fld>
             <a:endParaRPr lang="en-US"/>
           </a:p>
@@ -917,7 +917,7 @@
           <a:p>
             <a:fld id="{18DCCD61-643D-44A5-A450-3A42A50CBC1E}" type="datetimeFigureOut">
               <a:rPr lang="en-US" smtClean="0"/>
-              <a:t>9/23/2021</a:t>
+              <a:t>9/30/2021</a:t>
             </a:fld>
             <a:endParaRPr lang="en-US"/>
           </a:p>
@@ -1095,7 +1095,7 @@
           <a:p>
             <a:fld id="{18DCCD61-643D-44A5-A450-3A42A50CBC1E}" type="datetimeFigureOut">
               <a:rPr lang="en-US" smtClean="0"/>
-              <a:t>9/23/2021</a:t>
+              <a:t>9/30/2021</a:t>
             </a:fld>
             <a:endParaRPr lang="en-US"/>
           </a:p>
@@ -1689,7 +1689,7 @@
           <a:p>
             <a:fld id="{18DCCD61-643D-44A5-A450-3A42A50CBC1E}" type="datetimeFigureOut">
               <a:rPr lang="en-US" smtClean="0"/>
-              <a:t>9/23/2021</a:t>
+              <a:t>9/30/2021</a:t>
             </a:fld>
             <a:endParaRPr lang="en-US"/>
           </a:p>
@@ -1857,7 +1857,7 @@
           <a:p>
             <a:fld id="{18DCCD61-643D-44A5-A450-3A42A50CBC1E}" type="datetimeFigureOut">
               <a:rPr lang="en-US" smtClean="0"/>
-              <a:t>9/23/2021</a:t>
+              <a:t>9/30/2021</a:t>
             </a:fld>
             <a:endParaRPr lang="en-US"/>
           </a:p>
@@ -2102,7 +2102,7 @@
           <a:p>
             <a:fld id="{18DCCD61-643D-44A5-A450-3A42A50CBC1E}" type="datetimeFigureOut">
               <a:rPr lang="en-US" smtClean="0"/>
-              <a:t>9/23/2021</a:t>
+              <a:t>9/30/2021</a:t>
             </a:fld>
             <a:endParaRPr lang="en-US"/>
           </a:p>
@@ -2387,7 +2387,7 @@
           <a:p>
             <a:fld id="{18DCCD61-643D-44A5-A450-3A42A50CBC1E}" type="datetimeFigureOut">
               <a:rPr lang="en-US" smtClean="0"/>
-              <a:t>9/23/2021</a:t>
+              <a:t>9/30/2021</a:t>
             </a:fld>
             <a:endParaRPr lang="en-US"/>
           </a:p>
@@ -2806,7 +2806,7 @@
           <a:p>
             <a:fld id="{18DCCD61-643D-44A5-A450-3A42A50CBC1E}" type="datetimeFigureOut">
               <a:rPr lang="en-US" smtClean="0"/>
-              <a:t>9/23/2021</a:t>
+              <a:t>9/30/2021</a:t>
             </a:fld>
             <a:endParaRPr lang="en-US"/>
           </a:p>
@@ -2923,7 +2923,7 @@
           <a:p>
             <a:fld id="{18DCCD61-643D-44A5-A450-3A42A50CBC1E}" type="datetimeFigureOut">
               <a:rPr lang="en-US" smtClean="0"/>
-              <a:t>9/23/2021</a:t>
+              <a:t>9/30/2021</a:t>
             </a:fld>
             <a:endParaRPr lang="en-US"/>
           </a:p>
@@ -3425,7 +3425,7 @@
           <a:p>
             <a:fld id="{18DCCD61-643D-44A5-A450-3A42A50CBC1E}" type="datetimeFigureOut">
               <a:rPr lang="en-US" smtClean="0"/>
-              <a:t>9/23/2021</a:t>
+              <a:t>9/30/2021</a:t>
             </a:fld>
             <a:endParaRPr lang="en-US"/>
           </a:p>
@@ -4545,7 +4545,7 @@
                 <a:latin typeface="Arial" panose="020B0604020202020204" pitchFamily="34" charset="0"/>
                 <a:cs typeface="Arial" panose="020B0604020202020204" pitchFamily="34" charset="0"/>
               </a:rPr>
-              <a:t>The need for rapid and precise pathological diagnosis during surgery </a:t>
+              <a:t>The need for rapid and precise pathological diagnosis  </a:t>
             </a:r>
           </a:p>
           <a:p>
@@ -6033,7 +6033,7 @@
         <p:spPr>
           <a:xfrm>
             <a:off x="208265" y="5759050"/>
-            <a:ext cx="8229600" cy="432048"/>
+            <a:ext cx="8229600" cy="910310"/>
           </a:xfrm>
         </p:spPr>
         <p:txBody>
@@ -7163,1276 +7163,517 @@
           <a:bodyPr/>
           <a:lstStyle/>
           <a:p>
-            <a:pPr marL="285750" indent="-285750">
-              <a:buFont typeface="Wingdings" panose="05000000000000000000" pitchFamily="2" charset="2"/>
-              <a:buChar char="ü"/>
-            </a:pPr>
-            <a:r>
-              <a:rPr lang="en-US" altLang="zh-CN" sz="900" b="1" dirty="0">
-                <a:solidFill>
-                  <a:srgbClr val="444444"/>
-                </a:solidFill>
-              </a:rPr>
-              <a:t>Model: "sequential_9"</a:t>
-            </a:r>
-          </a:p>
-          <a:p>
-            <a:pPr marL="285750" indent="-285750">
-              <a:buFont typeface="Wingdings" panose="05000000000000000000" pitchFamily="2" charset="2"/>
-              <a:buChar char="ü"/>
-            </a:pPr>
-            <a:r>
-              <a:rPr lang="en-US" altLang="zh-CN" sz="900" b="1" dirty="0">
-                <a:solidFill>
-                  <a:srgbClr val="444444"/>
-                </a:solidFill>
+            <a:r>
+              <a:rPr lang="en-US" altLang="ko-KR" sz="900" dirty="0">
+                <a:latin typeface="Arial" pitchFamily="34" charset="0"/>
+                <a:cs typeface="Arial" pitchFamily="34" charset="0"/>
+              </a:rPr>
+              <a:t>Model: "sequential"</a:t>
+            </a:r>
+          </a:p>
+          <a:p>
+            <a:r>
+              <a:rPr lang="en-US" altLang="ko-KR" sz="900" dirty="0">
+                <a:latin typeface="Arial" pitchFamily="34" charset="0"/>
+                <a:cs typeface="Arial" pitchFamily="34" charset="0"/>
               </a:rPr>
               <a:t>_________________________________________________________________</a:t>
             </a:r>
           </a:p>
           <a:p>
-            <a:pPr marL="285750" indent="-285750">
-              <a:buFont typeface="Wingdings" panose="05000000000000000000" pitchFamily="2" charset="2"/>
-              <a:buChar char="ü"/>
-            </a:pPr>
-            <a:r>
-              <a:rPr lang="en-US" altLang="zh-CN" sz="900" b="1" dirty="0">
-                <a:solidFill>
-                  <a:srgbClr val="444444"/>
-                </a:solidFill>
+            <a:r>
+              <a:rPr lang="en-US" altLang="ko-KR" sz="900" dirty="0">
+                <a:latin typeface="Arial" pitchFamily="34" charset="0"/>
+                <a:cs typeface="Arial" pitchFamily="34" charset="0"/>
               </a:rPr>
               <a:t>Layer (type)                 Output Shape              Param #   </a:t>
             </a:r>
           </a:p>
           <a:p>
-            <a:pPr marL="285750" indent="-285750">
-              <a:buFont typeface="Wingdings" panose="05000000000000000000" pitchFamily="2" charset="2"/>
-              <a:buChar char="ü"/>
-            </a:pPr>
-            <a:r>
-              <a:rPr lang="en-US" altLang="zh-CN" sz="900" b="1" dirty="0">
-                <a:solidFill>
-                  <a:srgbClr val="444444"/>
-                </a:solidFill>
+            <a:r>
+              <a:rPr lang="en-US" altLang="ko-KR" sz="900" dirty="0">
+                <a:latin typeface="Arial" pitchFamily="34" charset="0"/>
+                <a:cs typeface="Arial" pitchFamily="34" charset="0"/>
               </a:rPr>
               <a:t>=================================================================</a:t>
             </a:r>
           </a:p>
           <a:p>
-            <a:pPr marL="285750" indent="-285750">
-              <a:buFont typeface="Wingdings" panose="05000000000000000000" pitchFamily="2" charset="2"/>
-              <a:buChar char="ü"/>
-            </a:pPr>
-            <a:r>
-              <a:rPr lang="en-US" altLang="zh-CN" sz="900" b="1" dirty="0">
-                <a:solidFill>
-                  <a:srgbClr val="444444"/>
-                </a:solidFill>
-              </a:rPr>
-              <a:t>conv2d_22 (Conv2D)           (None, 54, 54, 96)        34944     </a:t>
-            </a:r>
-          </a:p>
-          <a:p>
-            <a:pPr marL="285750" indent="-285750">
-              <a:buFont typeface="Wingdings" panose="05000000000000000000" pitchFamily="2" charset="2"/>
-              <a:buChar char="ü"/>
-            </a:pPr>
-            <a:r>
-              <a:rPr lang="en-US" altLang="zh-CN" sz="900" b="1" dirty="0">
-                <a:solidFill>
-                  <a:srgbClr val="444444"/>
-                </a:solidFill>
+            <a:r>
+              <a:rPr lang="en-US" altLang="ko-KR" sz="900" dirty="0">
+                <a:latin typeface="Arial" pitchFamily="34" charset="0"/>
+                <a:cs typeface="Arial" pitchFamily="34" charset="0"/>
+              </a:rPr>
+              <a:t>conv2d (Conv2D)              (None, 54, 54, 9)         3276      </a:t>
+            </a:r>
+          </a:p>
+          <a:p>
+            <a:r>
+              <a:rPr lang="en-US" altLang="ko-KR" sz="900" dirty="0">
+                <a:latin typeface="Arial" pitchFamily="34" charset="0"/>
+                <a:cs typeface="Arial" pitchFamily="34" charset="0"/>
               </a:rPr>
               <a:t>_________________________________________________________________</a:t>
             </a:r>
           </a:p>
           <a:p>
-            <a:pPr marL="285750" indent="-285750">
-              <a:buFont typeface="Wingdings" panose="05000000000000000000" pitchFamily="2" charset="2"/>
-              <a:buChar char="ü"/>
-            </a:pPr>
-            <a:r>
-              <a:rPr lang="en-US" altLang="zh-CN" sz="900" b="1" dirty="0">
-                <a:solidFill>
-                  <a:srgbClr val="444444"/>
-                </a:solidFill>
-              </a:rPr>
-              <a:t>activation_27 (Activation)   (None, 54, 54, 96)        0         </a:t>
-            </a:r>
-          </a:p>
-          <a:p>
-            <a:pPr marL="285750" indent="-285750">
-              <a:buFont typeface="Wingdings" panose="05000000000000000000" pitchFamily="2" charset="2"/>
-              <a:buChar char="ü"/>
-            </a:pPr>
-            <a:r>
-              <a:rPr lang="en-US" altLang="zh-CN" sz="900" b="1" dirty="0">
-                <a:solidFill>
-                  <a:srgbClr val="444444"/>
-                </a:solidFill>
+            <a:r>
+              <a:rPr lang="en-US" altLang="ko-KR" sz="900" dirty="0">
+                <a:latin typeface="Arial" pitchFamily="34" charset="0"/>
+                <a:cs typeface="Arial" pitchFamily="34" charset="0"/>
+              </a:rPr>
+              <a:t>activation (Activation)      (None, 54, 54, 9)         0         </a:t>
+            </a:r>
+          </a:p>
+          <a:p>
+            <a:r>
+              <a:rPr lang="en-US" altLang="ko-KR" sz="900" dirty="0">
+                <a:latin typeface="Arial" pitchFamily="34" charset="0"/>
+                <a:cs typeface="Arial" pitchFamily="34" charset="0"/>
               </a:rPr>
               <a:t>_________________________________________________________________</a:t>
             </a:r>
           </a:p>
           <a:p>
-            <a:pPr marL="285750" indent="-285750">
-              <a:buFont typeface="Wingdings" panose="05000000000000000000" pitchFamily="2" charset="2"/>
-              <a:buChar char="ü"/>
-            </a:pPr>
-            <a:r>
-              <a:rPr lang="en-US" altLang="zh-CN" sz="900" b="1" dirty="0">
-                <a:solidFill>
-                  <a:srgbClr val="444444"/>
-                </a:solidFill>
-              </a:rPr>
-              <a:t>max_pooling2d_17 (</a:t>
-            </a:r>
-            <a:r>
-              <a:rPr lang="en-US" altLang="zh-CN" sz="900" b="1" dirty="0" err="1">
-                <a:solidFill>
-                  <a:srgbClr val="444444"/>
-                </a:solidFill>
-              </a:rPr>
-              <a:t>MaxPooling</a:t>
-            </a:r>
-            <a:r>
-              <a:rPr lang="en-US" altLang="zh-CN" sz="900" b="1" dirty="0">
-                <a:solidFill>
-                  <a:srgbClr val="444444"/>
-                </a:solidFill>
-              </a:rPr>
-              <a:t> (None, 27, 27, 96)        0         </a:t>
-            </a:r>
-          </a:p>
-          <a:p>
-            <a:pPr marL="285750" indent="-285750">
-              <a:buFont typeface="Wingdings" panose="05000000000000000000" pitchFamily="2" charset="2"/>
-              <a:buChar char="ü"/>
-            </a:pPr>
-            <a:r>
-              <a:rPr lang="en-US" altLang="zh-CN" sz="900" b="1" dirty="0">
-                <a:solidFill>
-                  <a:srgbClr val="444444"/>
-                </a:solidFill>
+            <a:r>
+              <a:rPr lang="en-US" altLang="ko-KR" sz="900" dirty="0">
+                <a:latin typeface="Arial" pitchFamily="34" charset="0"/>
+                <a:cs typeface="Arial" pitchFamily="34" charset="0"/>
+              </a:rPr>
+              <a:t>max_pooling2d (MaxPooling2D) (None, 27, 27, 9)         0         </a:t>
+            </a:r>
+          </a:p>
+          <a:p>
+            <a:r>
+              <a:rPr lang="en-US" altLang="ko-KR" sz="900" dirty="0">
+                <a:latin typeface="Arial" pitchFamily="34" charset="0"/>
+                <a:cs typeface="Arial" pitchFamily="34" charset="0"/>
               </a:rPr>
               <a:t>_________________________________________________________________</a:t>
             </a:r>
           </a:p>
           <a:p>
-            <a:pPr marL="285750" indent="-285750">
-              <a:buFont typeface="Wingdings" panose="05000000000000000000" pitchFamily="2" charset="2"/>
-              <a:buChar char="ü"/>
-            </a:pPr>
-            <a:r>
-              <a:rPr lang="en-US" altLang="zh-CN" sz="900" b="1" dirty="0">
-                <a:solidFill>
-                  <a:srgbClr val="444444"/>
-                </a:solidFill>
-              </a:rPr>
-              <a:t>batch_normalization_16 (</a:t>
-            </a:r>
-            <a:r>
-              <a:rPr lang="en-US" altLang="zh-CN" sz="900" b="1" dirty="0" err="1">
-                <a:solidFill>
-                  <a:srgbClr val="444444"/>
-                </a:solidFill>
-              </a:rPr>
-              <a:t>Batc</a:t>
-            </a:r>
-            <a:r>
-              <a:rPr lang="en-US" altLang="zh-CN" sz="900" b="1" dirty="0">
-                <a:solidFill>
-                  <a:srgbClr val="444444"/>
-                </a:solidFill>
-              </a:rPr>
-              <a:t> (None, 27, 27, 96)        384       </a:t>
-            </a:r>
-          </a:p>
-          <a:p>
-            <a:pPr marL="285750" indent="-285750">
-              <a:buFont typeface="Wingdings" panose="05000000000000000000" pitchFamily="2" charset="2"/>
-              <a:buChar char="ü"/>
-            </a:pPr>
-            <a:r>
-              <a:rPr lang="en-US" altLang="zh-CN" sz="900" b="1" dirty="0">
-                <a:solidFill>
-                  <a:srgbClr val="444444"/>
-                </a:solidFill>
+            <a:r>
+              <a:rPr lang="en-US" altLang="ko-KR" sz="900" dirty="0">
+                <a:latin typeface="Arial" pitchFamily="34" charset="0"/>
+                <a:cs typeface="Arial" pitchFamily="34" charset="0"/>
+              </a:rPr>
+              <a:t>conv2d_1 (Conv2D)            (None, 26, 26, 25)        925       </a:t>
+            </a:r>
+          </a:p>
+          <a:p>
+            <a:r>
+              <a:rPr lang="en-US" altLang="ko-KR" sz="900" dirty="0">
+                <a:latin typeface="Arial" pitchFamily="34" charset="0"/>
+                <a:cs typeface="Arial" pitchFamily="34" charset="0"/>
               </a:rPr>
               <a:t>_________________________________________________________________</a:t>
             </a:r>
           </a:p>
           <a:p>
-            <a:pPr marL="285750" indent="-285750">
-              <a:buFont typeface="Wingdings" panose="05000000000000000000" pitchFamily="2" charset="2"/>
-              <a:buChar char="ü"/>
-            </a:pPr>
-            <a:r>
-              <a:rPr lang="en-US" altLang="zh-CN" sz="900" b="1" dirty="0">
-                <a:solidFill>
-                  <a:srgbClr val="444444"/>
-                </a:solidFill>
-              </a:rPr>
-              <a:t>conv2d_23 (Conv2D)           (None, 17, 17, 256)       2973952   </a:t>
-            </a:r>
-          </a:p>
-          <a:p>
-            <a:pPr marL="285750" indent="-285750">
-              <a:buFont typeface="Wingdings" panose="05000000000000000000" pitchFamily="2" charset="2"/>
-              <a:buChar char="ü"/>
-            </a:pPr>
-            <a:r>
-              <a:rPr lang="en-US" altLang="zh-CN" sz="900" b="1" dirty="0">
-                <a:solidFill>
-                  <a:srgbClr val="444444"/>
-                </a:solidFill>
+            <a:r>
+              <a:rPr lang="en-US" altLang="ko-KR" sz="900" dirty="0">
+                <a:latin typeface="Arial" pitchFamily="34" charset="0"/>
+                <a:cs typeface="Arial" pitchFamily="34" charset="0"/>
+              </a:rPr>
+              <a:t>activation_1 (Activation)    (None, 26, 26, 25)        0         </a:t>
+            </a:r>
+          </a:p>
+          <a:p>
+            <a:r>
+              <a:rPr lang="en-US" altLang="ko-KR" sz="900" dirty="0">
+                <a:latin typeface="Arial" pitchFamily="34" charset="0"/>
+                <a:cs typeface="Arial" pitchFamily="34" charset="0"/>
               </a:rPr>
               <a:t>_________________________________________________________________</a:t>
             </a:r>
           </a:p>
           <a:p>
-            <a:pPr marL="285750" indent="-285750">
-              <a:buFont typeface="Wingdings" panose="05000000000000000000" pitchFamily="2" charset="2"/>
-              <a:buChar char="ü"/>
-            </a:pPr>
-            <a:r>
-              <a:rPr lang="en-US" altLang="zh-CN" sz="900" b="1" dirty="0">
-                <a:solidFill>
-                  <a:srgbClr val="444444"/>
-                </a:solidFill>
-              </a:rPr>
-              <a:t>activation_28 (Activation)   (None, 17, 17, 256)       0         </a:t>
-            </a:r>
-          </a:p>
-          <a:p>
-            <a:pPr marL="285750" indent="-285750">
-              <a:buFont typeface="Wingdings" panose="05000000000000000000" pitchFamily="2" charset="2"/>
-              <a:buChar char="ü"/>
-            </a:pPr>
-            <a:r>
-              <a:rPr lang="en-US" altLang="zh-CN" sz="900" b="1" dirty="0">
-                <a:solidFill>
-                  <a:srgbClr val="444444"/>
-                </a:solidFill>
+            <a:r>
+              <a:rPr lang="en-US" altLang="ko-KR" sz="900" dirty="0">
+                <a:latin typeface="Arial" pitchFamily="34" charset="0"/>
+                <a:cs typeface="Arial" pitchFamily="34" charset="0"/>
+              </a:rPr>
+              <a:t>max_pooling2d_1 (MaxPooling2 (None, 13, 13, 25)        0         </a:t>
+            </a:r>
+          </a:p>
+          <a:p>
+            <a:r>
+              <a:rPr lang="en-US" altLang="ko-KR" sz="900" dirty="0">
+                <a:latin typeface="Arial" pitchFamily="34" charset="0"/>
+                <a:cs typeface="Arial" pitchFamily="34" charset="0"/>
               </a:rPr>
               <a:t>_________________________________________________________________</a:t>
             </a:r>
           </a:p>
           <a:p>
-            <a:pPr marL="285750" indent="-285750">
-              <a:buFont typeface="Wingdings" panose="05000000000000000000" pitchFamily="2" charset="2"/>
-              <a:buChar char="ü"/>
-            </a:pPr>
-            <a:r>
-              <a:rPr lang="en-US" altLang="zh-CN" sz="900" b="1" dirty="0">
-                <a:solidFill>
-                  <a:srgbClr val="444444"/>
-                </a:solidFill>
-              </a:rPr>
-              <a:t>max_pooling2d_18 (</a:t>
-            </a:r>
-            <a:r>
-              <a:rPr lang="en-US" altLang="zh-CN" sz="900" b="1" dirty="0" err="1">
-                <a:solidFill>
-                  <a:srgbClr val="444444"/>
-                </a:solidFill>
-              </a:rPr>
-              <a:t>MaxPooling</a:t>
-            </a:r>
-            <a:r>
-              <a:rPr lang="en-US" altLang="zh-CN" sz="900" b="1" dirty="0">
-                <a:solidFill>
-                  <a:srgbClr val="444444"/>
-                </a:solidFill>
-              </a:rPr>
-              <a:t> (None, 8, 8, 256)         0         </a:t>
-            </a:r>
-          </a:p>
-          <a:p>
-            <a:pPr marL="285750" indent="-285750">
-              <a:buFont typeface="Wingdings" panose="05000000000000000000" pitchFamily="2" charset="2"/>
-              <a:buChar char="ü"/>
-            </a:pPr>
-            <a:r>
-              <a:rPr lang="en-US" altLang="zh-CN" sz="900" b="1" dirty="0">
-                <a:solidFill>
-                  <a:srgbClr val="444444"/>
-                </a:solidFill>
+            <a:r>
+              <a:rPr lang="en-US" altLang="ko-KR" sz="900" dirty="0">
+                <a:latin typeface="Arial" pitchFamily="34" charset="0"/>
+                <a:cs typeface="Arial" pitchFamily="34" charset="0"/>
+              </a:rPr>
+              <a:t>conv2d_2 (Conv2D)            (None, 11, 11, 38)        8588      </a:t>
+            </a:r>
+          </a:p>
+          <a:p>
+            <a:r>
+              <a:rPr lang="en-US" altLang="ko-KR" sz="900" dirty="0">
+                <a:latin typeface="Arial" pitchFamily="34" charset="0"/>
+                <a:cs typeface="Arial" pitchFamily="34" charset="0"/>
               </a:rPr>
               <a:t>_________________________________________________________________</a:t>
             </a:r>
           </a:p>
           <a:p>
-            <a:pPr marL="285750" indent="-285750">
-              <a:buFont typeface="Wingdings" panose="05000000000000000000" pitchFamily="2" charset="2"/>
-              <a:buChar char="ü"/>
-            </a:pPr>
-            <a:r>
-              <a:rPr lang="en-US" altLang="zh-CN" sz="900" b="1" dirty="0">
-                <a:solidFill>
-                  <a:srgbClr val="444444"/>
-                </a:solidFill>
-              </a:rPr>
-              <a:t>batch_normalization_17 (</a:t>
-            </a:r>
-            <a:r>
-              <a:rPr lang="en-US" altLang="zh-CN" sz="900" b="1" dirty="0" err="1">
-                <a:solidFill>
-                  <a:srgbClr val="444444"/>
-                </a:solidFill>
-              </a:rPr>
-              <a:t>Batc</a:t>
-            </a:r>
-            <a:r>
-              <a:rPr lang="en-US" altLang="zh-CN" sz="900" b="1" dirty="0">
-                <a:solidFill>
-                  <a:srgbClr val="444444"/>
-                </a:solidFill>
-              </a:rPr>
-              <a:t> (None, 8, 8, 256)         1024      </a:t>
-            </a:r>
-          </a:p>
-          <a:p>
-            <a:pPr marL="285750" indent="-285750">
-              <a:buFont typeface="Wingdings" panose="05000000000000000000" pitchFamily="2" charset="2"/>
-              <a:buChar char="ü"/>
-            </a:pPr>
-            <a:r>
-              <a:rPr lang="en-US" altLang="zh-CN" sz="900" b="1" dirty="0">
-                <a:solidFill>
-                  <a:srgbClr val="444444"/>
-                </a:solidFill>
+            <a:r>
+              <a:rPr lang="en-US" altLang="ko-KR" sz="900" dirty="0">
+                <a:latin typeface="Arial" pitchFamily="34" charset="0"/>
+                <a:cs typeface="Arial" pitchFamily="34" charset="0"/>
+              </a:rPr>
+              <a:t>activation_2 (Activation)    (None, 11, 11, 38)        0         </a:t>
+            </a:r>
+          </a:p>
+          <a:p>
+            <a:r>
+              <a:rPr lang="en-US" altLang="ko-KR" sz="900" dirty="0">
+                <a:latin typeface="Arial" pitchFamily="34" charset="0"/>
+                <a:cs typeface="Arial" pitchFamily="34" charset="0"/>
               </a:rPr>
               <a:t>_________________________________________________________________</a:t>
             </a:r>
           </a:p>
           <a:p>
-            <a:pPr marL="285750" indent="-285750">
-              <a:buFont typeface="Wingdings" panose="05000000000000000000" pitchFamily="2" charset="2"/>
-              <a:buChar char="ü"/>
-            </a:pPr>
-            <a:r>
-              <a:rPr lang="en-US" altLang="zh-CN" sz="900" b="1" dirty="0">
-                <a:solidFill>
-                  <a:srgbClr val="444444"/>
-                </a:solidFill>
-              </a:rPr>
-              <a:t>conv2d_24 (Conv2D)           (None, 6, 6, 384)         885120    </a:t>
-            </a:r>
-          </a:p>
-          <a:p>
-            <a:pPr marL="285750" indent="-285750">
-              <a:buFont typeface="Wingdings" panose="05000000000000000000" pitchFamily="2" charset="2"/>
-              <a:buChar char="ü"/>
-            </a:pPr>
-            <a:r>
-              <a:rPr lang="en-US" altLang="zh-CN" sz="900" b="1" dirty="0">
-                <a:solidFill>
-                  <a:srgbClr val="444444"/>
-                </a:solidFill>
+            <a:r>
+              <a:rPr lang="en-US" altLang="ko-KR" sz="900" dirty="0">
+                <a:latin typeface="Arial" pitchFamily="34" charset="0"/>
+                <a:cs typeface="Arial" pitchFamily="34" charset="0"/>
+              </a:rPr>
+              <a:t>conv2d_3 (Conv2D)            (None, 9, 9, 38)          13034     </a:t>
+            </a:r>
+          </a:p>
+          <a:p>
+            <a:r>
+              <a:rPr lang="en-US" altLang="ko-KR" sz="900" dirty="0">
+                <a:latin typeface="Arial" pitchFamily="34" charset="0"/>
+                <a:cs typeface="Arial" pitchFamily="34" charset="0"/>
               </a:rPr>
               <a:t>_________________________________________________________________</a:t>
             </a:r>
           </a:p>
           <a:p>
-            <a:pPr marL="285750" indent="-285750">
-              <a:buFont typeface="Wingdings" panose="05000000000000000000" pitchFamily="2" charset="2"/>
-              <a:buChar char="ü"/>
-            </a:pPr>
-            <a:r>
-              <a:rPr lang="en-US" altLang="zh-CN" sz="900" b="1" dirty="0">
-                <a:solidFill>
-                  <a:srgbClr val="444444"/>
-                </a:solidFill>
-              </a:rPr>
-              <a:t>activation_29 (Activation)   (None, 6, 6, 384)         0         </a:t>
-            </a:r>
-          </a:p>
-          <a:p>
-            <a:pPr marL="285750" indent="-285750">
-              <a:buFont typeface="Wingdings" panose="05000000000000000000" pitchFamily="2" charset="2"/>
-              <a:buChar char="ü"/>
-            </a:pPr>
-            <a:r>
-              <a:rPr lang="en-US" altLang="zh-CN" sz="900" b="1" dirty="0">
-                <a:solidFill>
-                  <a:srgbClr val="444444"/>
-                </a:solidFill>
+            <a:r>
+              <a:rPr lang="en-US" altLang="ko-KR" sz="900" dirty="0">
+                <a:latin typeface="Arial" pitchFamily="34" charset="0"/>
+                <a:cs typeface="Arial" pitchFamily="34" charset="0"/>
+              </a:rPr>
+              <a:t>activation_3 (Activation)    (None, 9, 9, 38)          0         </a:t>
+            </a:r>
+          </a:p>
+          <a:p>
+            <a:r>
+              <a:rPr lang="en-US" altLang="ko-KR" sz="900" dirty="0">
+                <a:latin typeface="Arial" pitchFamily="34" charset="0"/>
+                <a:cs typeface="Arial" pitchFamily="34" charset="0"/>
               </a:rPr>
               <a:t>_________________________________________________________________</a:t>
             </a:r>
           </a:p>
           <a:p>
-            <a:pPr marL="285750" indent="-285750">
-              <a:buFont typeface="Wingdings" panose="05000000000000000000" pitchFamily="2" charset="2"/>
-              <a:buChar char="ü"/>
-            </a:pPr>
-            <a:r>
-              <a:rPr lang="en-US" altLang="zh-CN" sz="900" b="1" dirty="0">
-                <a:solidFill>
-                  <a:srgbClr val="444444"/>
-                </a:solidFill>
-              </a:rPr>
-              <a:t>batch_normalization_18 (</a:t>
-            </a:r>
-            <a:r>
-              <a:rPr lang="en-US" altLang="zh-CN" sz="900" b="1" dirty="0" err="1">
-                <a:solidFill>
-                  <a:srgbClr val="444444"/>
-                </a:solidFill>
-              </a:rPr>
-              <a:t>Batc</a:t>
-            </a:r>
-            <a:r>
-              <a:rPr lang="en-US" altLang="zh-CN" sz="900" b="1" dirty="0">
-                <a:solidFill>
-                  <a:srgbClr val="444444"/>
-                </a:solidFill>
-              </a:rPr>
-              <a:t> (None, 6, 6, 384)         1536      </a:t>
-            </a:r>
-          </a:p>
-          <a:p>
-            <a:pPr marL="285750" indent="-285750">
-              <a:buFont typeface="Wingdings" panose="05000000000000000000" pitchFamily="2" charset="2"/>
-              <a:buChar char="ü"/>
-            </a:pPr>
-            <a:r>
-              <a:rPr lang="en-US" altLang="zh-CN" sz="900" b="1" dirty="0">
-                <a:solidFill>
-                  <a:srgbClr val="444444"/>
-                </a:solidFill>
+            <a:r>
+              <a:rPr lang="en-US" altLang="ko-KR" sz="900" dirty="0">
+                <a:latin typeface="Arial" pitchFamily="34" charset="0"/>
+                <a:cs typeface="Arial" pitchFamily="34" charset="0"/>
+              </a:rPr>
+              <a:t>conv2d_4 (Conv2D)            (None, 7, 7, 25)          8575      </a:t>
+            </a:r>
+          </a:p>
+          <a:p>
+            <a:r>
+              <a:rPr lang="en-US" altLang="ko-KR" sz="900" dirty="0">
+                <a:latin typeface="Arial" pitchFamily="34" charset="0"/>
+                <a:cs typeface="Arial" pitchFamily="34" charset="0"/>
               </a:rPr>
               <a:t>_________________________________________________________________</a:t>
             </a:r>
           </a:p>
           <a:p>
-            <a:pPr marL="285750" indent="-285750">
-              <a:buFont typeface="Wingdings" panose="05000000000000000000" pitchFamily="2" charset="2"/>
-              <a:buChar char="ü"/>
-            </a:pPr>
-            <a:r>
-              <a:rPr lang="en-US" altLang="zh-CN" sz="900" b="1" dirty="0">
-                <a:solidFill>
-                  <a:srgbClr val="444444"/>
-                </a:solidFill>
-              </a:rPr>
-              <a:t>conv2d_25 (Conv2D)           (None, 4, 4, 384)         1327488   </a:t>
-            </a:r>
-          </a:p>
-          <a:p>
-            <a:pPr marL="285750" indent="-285750">
-              <a:buFont typeface="Wingdings" panose="05000000000000000000" pitchFamily="2" charset="2"/>
-              <a:buChar char="ü"/>
-            </a:pPr>
-            <a:r>
-              <a:rPr lang="en-US" altLang="zh-CN" sz="900" b="1" dirty="0">
-                <a:solidFill>
-                  <a:srgbClr val="444444"/>
-                </a:solidFill>
+            <a:r>
+              <a:rPr lang="en-US" altLang="ko-KR" sz="900" dirty="0">
+                <a:latin typeface="Arial" pitchFamily="34" charset="0"/>
+                <a:cs typeface="Arial" pitchFamily="34" charset="0"/>
+              </a:rPr>
+              <a:t>activation_4 (Activation)    (None, 7, 7, 25)          0         </a:t>
+            </a:r>
+          </a:p>
+          <a:p>
+            <a:r>
+              <a:rPr lang="en-US" altLang="ko-KR" sz="900" dirty="0">
+                <a:latin typeface="Arial" pitchFamily="34" charset="0"/>
+                <a:cs typeface="Arial" pitchFamily="34" charset="0"/>
               </a:rPr>
               <a:t>_________________________________________________________________</a:t>
             </a:r>
           </a:p>
           <a:p>
-            <a:pPr marL="285750" indent="-285750">
-              <a:buFont typeface="Wingdings" panose="05000000000000000000" pitchFamily="2" charset="2"/>
-              <a:buChar char="ü"/>
-            </a:pPr>
-            <a:r>
-              <a:rPr lang="en-US" altLang="zh-CN" sz="900" b="1" dirty="0">
-                <a:solidFill>
-                  <a:srgbClr val="444444"/>
-                </a:solidFill>
-              </a:rPr>
-              <a:t>activation_30 (Activation)   (None, 4, 4, 384)         0         </a:t>
-            </a:r>
-          </a:p>
-          <a:p>
-            <a:pPr marL="285750" indent="-285750">
-              <a:buFont typeface="Wingdings" panose="05000000000000000000" pitchFamily="2" charset="2"/>
-              <a:buChar char="ü"/>
-            </a:pPr>
-            <a:r>
-              <a:rPr lang="en-US" altLang="zh-CN" sz="900" b="1" dirty="0">
-                <a:solidFill>
-                  <a:srgbClr val="444444"/>
-                </a:solidFill>
+            <a:r>
+              <a:rPr lang="en-US" altLang="ko-KR" sz="900" dirty="0">
+                <a:latin typeface="Arial" pitchFamily="34" charset="0"/>
+                <a:cs typeface="Arial" pitchFamily="34" charset="0"/>
+              </a:rPr>
+              <a:t>max_pooling2d_2 (MaxPooling2 (None, 3, 3, 25)          0         </a:t>
+            </a:r>
+          </a:p>
+          <a:p>
+            <a:r>
+              <a:rPr lang="en-US" altLang="ko-KR" sz="900" dirty="0">
+                <a:latin typeface="Arial" pitchFamily="34" charset="0"/>
+                <a:cs typeface="Arial" pitchFamily="34" charset="0"/>
               </a:rPr>
               <a:t>_________________________________________________________________</a:t>
             </a:r>
           </a:p>
           <a:p>
-            <a:pPr marL="285750" indent="-285750">
-              <a:buFont typeface="Wingdings" panose="05000000000000000000" pitchFamily="2" charset="2"/>
-              <a:buChar char="ü"/>
-            </a:pPr>
-            <a:r>
-              <a:rPr lang="en-US" altLang="zh-CN" sz="900" b="1" dirty="0">
-                <a:solidFill>
-                  <a:srgbClr val="444444"/>
-                </a:solidFill>
-              </a:rPr>
-              <a:t>batch_normalization_19 (</a:t>
-            </a:r>
-            <a:r>
-              <a:rPr lang="en-US" altLang="zh-CN" sz="900" b="1" dirty="0" err="1">
-                <a:solidFill>
-                  <a:srgbClr val="444444"/>
-                </a:solidFill>
-              </a:rPr>
-              <a:t>Batc</a:t>
-            </a:r>
-            <a:r>
-              <a:rPr lang="en-US" altLang="zh-CN" sz="900" b="1" dirty="0">
-                <a:solidFill>
-                  <a:srgbClr val="444444"/>
-                </a:solidFill>
-              </a:rPr>
-              <a:t> (None, 4, 4, 384)         1536      </a:t>
-            </a:r>
-          </a:p>
-          <a:p>
-            <a:pPr marL="285750" indent="-285750">
-              <a:buFont typeface="Wingdings" panose="05000000000000000000" pitchFamily="2" charset="2"/>
-              <a:buChar char="ü"/>
-            </a:pPr>
-            <a:r>
-              <a:rPr lang="en-US" altLang="zh-CN" sz="900" b="1" dirty="0">
-                <a:solidFill>
-                  <a:srgbClr val="444444"/>
-                </a:solidFill>
+            <a:r>
+              <a:rPr lang="en-US" altLang="ko-KR" sz="900" dirty="0">
+                <a:latin typeface="Arial" pitchFamily="34" charset="0"/>
+                <a:cs typeface="Arial" pitchFamily="34" charset="0"/>
+              </a:rPr>
+              <a:t>flatten (Flatten)            (None, 225)               0         </a:t>
+            </a:r>
+          </a:p>
+          <a:p>
+            <a:r>
+              <a:rPr lang="en-US" altLang="ko-KR" sz="900" dirty="0">
+                <a:latin typeface="Arial" pitchFamily="34" charset="0"/>
+                <a:cs typeface="Arial" pitchFamily="34" charset="0"/>
               </a:rPr>
               <a:t>_________________________________________________________________</a:t>
             </a:r>
           </a:p>
           <a:p>
-            <a:pPr marL="285750" indent="-285750">
-              <a:buFont typeface="Wingdings" panose="05000000000000000000" pitchFamily="2" charset="2"/>
-              <a:buChar char="ü"/>
-            </a:pPr>
-            <a:r>
-              <a:rPr lang="en-US" altLang="zh-CN" sz="900" b="1" dirty="0">
-                <a:solidFill>
-                  <a:srgbClr val="444444"/>
-                </a:solidFill>
-              </a:rPr>
-              <a:t>conv2d_26 (Conv2D)           (None, 2, 2, 256)         884992    </a:t>
-            </a:r>
-          </a:p>
-          <a:p>
-            <a:pPr marL="285750" indent="-285750">
-              <a:buFont typeface="Wingdings" panose="05000000000000000000" pitchFamily="2" charset="2"/>
-              <a:buChar char="ü"/>
-            </a:pPr>
-            <a:r>
-              <a:rPr lang="en-US" altLang="zh-CN" sz="900" b="1" dirty="0">
-                <a:solidFill>
-                  <a:srgbClr val="444444"/>
-                </a:solidFill>
+            <a:r>
+              <a:rPr lang="en-US" altLang="ko-KR" sz="900" dirty="0">
+                <a:latin typeface="Arial" pitchFamily="34" charset="0"/>
+                <a:cs typeface="Arial" pitchFamily="34" charset="0"/>
+              </a:rPr>
+              <a:t>dense (Dense)                (None, 40)                9040      </a:t>
+            </a:r>
+          </a:p>
+          <a:p>
+            <a:r>
+              <a:rPr lang="en-US" altLang="ko-KR" sz="900" dirty="0">
+                <a:latin typeface="Arial" pitchFamily="34" charset="0"/>
+                <a:cs typeface="Arial" pitchFamily="34" charset="0"/>
               </a:rPr>
               <a:t>_________________________________________________________________</a:t>
             </a:r>
           </a:p>
           <a:p>
-            <a:pPr marL="285750" indent="-285750">
-              <a:buFont typeface="Wingdings" panose="05000000000000000000" pitchFamily="2" charset="2"/>
-              <a:buChar char="ü"/>
-            </a:pPr>
-            <a:r>
-              <a:rPr lang="en-US" altLang="zh-CN" sz="900" b="1" dirty="0">
-                <a:solidFill>
-                  <a:srgbClr val="444444"/>
-                </a:solidFill>
-              </a:rPr>
-              <a:t>activation_31 (Activation)   (None, 2, 2, 256)         0         </a:t>
-            </a:r>
-          </a:p>
-          <a:p>
-            <a:pPr marL="285750" indent="-285750">
-              <a:buFont typeface="Wingdings" panose="05000000000000000000" pitchFamily="2" charset="2"/>
-              <a:buChar char="ü"/>
-            </a:pPr>
-            <a:r>
-              <a:rPr lang="en-US" altLang="zh-CN" sz="900" b="1" dirty="0">
-                <a:solidFill>
-                  <a:srgbClr val="444444"/>
-                </a:solidFill>
+            <a:r>
+              <a:rPr lang="en-US" altLang="ko-KR" sz="900" dirty="0">
+                <a:latin typeface="Arial" pitchFamily="34" charset="0"/>
+                <a:cs typeface="Arial" pitchFamily="34" charset="0"/>
+              </a:rPr>
+              <a:t>activation_5 (Activation)    (None, 40)                0         </a:t>
+            </a:r>
+          </a:p>
+          <a:p>
+            <a:r>
+              <a:rPr lang="en-US" altLang="ko-KR" sz="900" dirty="0">
+                <a:latin typeface="Arial" pitchFamily="34" charset="0"/>
+                <a:cs typeface="Arial" pitchFamily="34" charset="0"/>
               </a:rPr>
               <a:t>_________________________________________________________________</a:t>
             </a:r>
           </a:p>
           <a:p>
-            <a:pPr marL="285750" indent="-285750">
-              <a:buFont typeface="Wingdings" panose="05000000000000000000" pitchFamily="2" charset="2"/>
-              <a:buChar char="ü"/>
-            </a:pPr>
-            <a:r>
-              <a:rPr lang="en-US" altLang="zh-CN" sz="900" b="1" dirty="0">
-                <a:solidFill>
-                  <a:srgbClr val="444444"/>
-                </a:solidFill>
-              </a:rPr>
-              <a:t>max_pooling2d_19 (</a:t>
-            </a:r>
-            <a:r>
-              <a:rPr lang="en-US" altLang="zh-CN" sz="900" b="1" dirty="0" err="1">
-                <a:solidFill>
-                  <a:srgbClr val="444444"/>
-                </a:solidFill>
-              </a:rPr>
-              <a:t>MaxPooling</a:t>
-            </a:r>
-            <a:r>
-              <a:rPr lang="en-US" altLang="zh-CN" sz="900" b="1" dirty="0">
-                <a:solidFill>
-                  <a:srgbClr val="444444"/>
-                </a:solidFill>
-              </a:rPr>
-              <a:t> (None, 1, 1, 256)         0         </a:t>
-            </a:r>
-          </a:p>
-          <a:p>
-            <a:pPr marL="285750" indent="-285750">
-              <a:buFont typeface="Wingdings" panose="05000000000000000000" pitchFamily="2" charset="2"/>
-              <a:buChar char="ü"/>
-            </a:pPr>
-            <a:r>
-              <a:rPr lang="en-US" altLang="zh-CN" sz="900" b="1" dirty="0">
-                <a:solidFill>
-                  <a:srgbClr val="444444"/>
-                </a:solidFill>
+            <a:r>
+              <a:rPr lang="en-US" altLang="ko-KR" sz="900" dirty="0">
+                <a:latin typeface="Arial" pitchFamily="34" charset="0"/>
+                <a:cs typeface="Arial" pitchFamily="34" charset="0"/>
+              </a:rPr>
+              <a:t>dropout (Dropout)            (None, 40)                0         </a:t>
+            </a:r>
+          </a:p>
+          <a:p>
+            <a:r>
+              <a:rPr lang="en-US" altLang="ko-KR" sz="900" dirty="0">
+                <a:latin typeface="Arial" pitchFamily="34" charset="0"/>
+                <a:cs typeface="Arial" pitchFamily="34" charset="0"/>
               </a:rPr>
               <a:t>_________________________________________________________________</a:t>
             </a:r>
           </a:p>
           <a:p>
-            <a:pPr marL="285750" indent="-285750">
-              <a:buFont typeface="Wingdings" panose="05000000000000000000" pitchFamily="2" charset="2"/>
-              <a:buChar char="ü"/>
-            </a:pPr>
-            <a:r>
-              <a:rPr lang="en-US" altLang="zh-CN" sz="900" b="1" dirty="0">
-                <a:solidFill>
-                  <a:srgbClr val="444444"/>
-                </a:solidFill>
-              </a:rPr>
-              <a:t>batch_normalization_20 (</a:t>
-            </a:r>
-            <a:r>
-              <a:rPr lang="en-US" altLang="zh-CN" sz="900" b="1" dirty="0" err="1">
-                <a:solidFill>
-                  <a:srgbClr val="444444"/>
-                </a:solidFill>
-              </a:rPr>
-              <a:t>Batc</a:t>
-            </a:r>
-            <a:r>
-              <a:rPr lang="en-US" altLang="zh-CN" sz="900" b="1" dirty="0">
-                <a:solidFill>
-                  <a:srgbClr val="444444"/>
-                </a:solidFill>
-              </a:rPr>
-              <a:t> (None, 1, 1, 256)         1024      </a:t>
-            </a:r>
-          </a:p>
-          <a:p>
-            <a:pPr marL="285750" indent="-285750">
-              <a:buFont typeface="Wingdings" panose="05000000000000000000" pitchFamily="2" charset="2"/>
-              <a:buChar char="ü"/>
-            </a:pPr>
-            <a:r>
-              <a:rPr lang="en-US" altLang="zh-CN" sz="900" b="1" dirty="0">
-                <a:solidFill>
-                  <a:srgbClr val="444444"/>
-                </a:solidFill>
+            <a:r>
+              <a:rPr lang="en-US" altLang="ko-KR" sz="900" dirty="0">
+                <a:latin typeface="Arial" pitchFamily="34" charset="0"/>
+                <a:cs typeface="Arial" pitchFamily="34" charset="0"/>
+              </a:rPr>
+              <a:t>dense_1 (Dense)              (None, 40)                1640      </a:t>
+            </a:r>
+          </a:p>
+          <a:p>
+            <a:r>
+              <a:rPr lang="en-US" altLang="ko-KR" sz="900" dirty="0">
+                <a:latin typeface="Arial" pitchFamily="34" charset="0"/>
+                <a:cs typeface="Arial" pitchFamily="34" charset="0"/>
               </a:rPr>
               <a:t>_________________________________________________________________</a:t>
             </a:r>
           </a:p>
           <a:p>
-            <a:pPr marL="285750" indent="-285750">
-              <a:buFont typeface="Wingdings" panose="05000000000000000000" pitchFamily="2" charset="2"/>
-              <a:buChar char="ü"/>
-            </a:pPr>
-            <a:r>
-              <a:rPr lang="en-US" altLang="zh-CN" sz="900" b="1" dirty="0">
-                <a:solidFill>
-                  <a:srgbClr val="444444"/>
-                </a:solidFill>
-              </a:rPr>
-              <a:t>flatten_8 (Flatten)          (None, 256)               0         </a:t>
-            </a:r>
-          </a:p>
-          <a:p>
-            <a:pPr marL="285750" indent="-285750">
-              <a:buFont typeface="Wingdings" panose="05000000000000000000" pitchFamily="2" charset="2"/>
-              <a:buChar char="ü"/>
-            </a:pPr>
-            <a:r>
-              <a:rPr lang="en-US" altLang="zh-CN" sz="900" b="1" dirty="0">
-                <a:solidFill>
-                  <a:srgbClr val="444444"/>
-                </a:solidFill>
+            <a:r>
+              <a:rPr lang="en-US" altLang="ko-KR" sz="900" dirty="0">
+                <a:latin typeface="Arial" pitchFamily="34" charset="0"/>
+                <a:cs typeface="Arial" pitchFamily="34" charset="0"/>
+              </a:rPr>
+              <a:t>activation_6 (Activation)    (None, 40)                0         </a:t>
+            </a:r>
+          </a:p>
+          <a:p>
+            <a:r>
+              <a:rPr lang="en-US" altLang="ko-KR" sz="900" dirty="0">
+                <a:latin typeface="Arial" pitchFamily="34" charset="0"/>
+                <a:cs typeface="Arial" pitchFamily="34" charset="0"/>
               </a:rPr>
               <a:t>_________________________________________________________________</a:t>
             </a:r>
           </a:p>
           <a:p>
-            <a:pPr marL="285750" indent="-285750">
-              <a:buFont typeface="Wingdings" panose="05000000000000000000" pitchFamily="2" charset="2"/>
-              <a:buChar char="ü"/>
-            </a:pPr>
-            <a:r>
-              <a:rPr lang="en-US" altLang="zh-CN" sz="900" b="1" dirty="0">
-                <a:solidFill>
-                  <a:srgbClr val="444444"/>
-                </a:solidFill>
-              </a:rPr>
-              <a:t>dense_30 (Dense)             (None, 4096)              1052672   </a:t>
-            </a:r>
-          </a:p>
-          <a:p>
-            <a:pPr marL="285750" indent="-285750">
-              <a:buFont typeface="Wingdings" panose="05000000000000000000" pitchFamily="2" charset="2"/>
-              <a:buChar char="ü"/>
-            </a:pPr>
-            <a:r>
-              <a:rPr lang="en-US" altLang="zh-CN" sz="900" b="1" dirty="0">
-                <a:solidFill>
-                  <a:srgbClr val="444444"/>
-                </a:solidFill>
+            <a:r>
+              <a:rPr lang="en-US" altLang="ko-KR" sz="900" dirty="0">
+                <a:latin typeface="Arial" pitchFamily="34" charset="0"/>
+                <a:cs typeface="Arial" pitchFamily="34" charset="0"/>
+              </a:rPr>
+              <a:t>dropout_1 (Dropout)          (None, 40)                0         </a:t>
+            </a:r>
+          </a:p>
+          <a:p>
+            <a:r>
+              <a:rPr lang="en-US" altLang="ko-KR" sz="900" dirty="0">
+                <a:latin typeface="Arial" pitchFamily="34" charset="0"/>
+                <a:cs typeface="Arial" pitchFamily="34" charset="0"/>
               </a:rPr>
               <a:t>_________________________________________________________________</a:t>
             </a:r>
           </a:p>
           <a:p>
-            <a:pPr marL="285750" indent="-285750">
-              <a:buFont typeface="Wingdings" panose="05000000000000000000" pitchFamily="2" charset="2"/>
-              <a:buChar char="ü"/>
-            </a:pPr>
-            <a:r>
-              <a:rPr lang="en-US" altLang="zh-CN" sz="900" b="1" dirty="0">
-                <a:solidFill>
-                  <a:srgbClr val="444444"/>
-                </a:solidFill>
-              </a:rPr>
-              <a:t>activation_32 (Activation)   (None, 4096)              0         </a:t>
-            </a:r>
-          </a:p>
-          <a:p>
-            <a:pPr marL="285750" indent="-285750">
-              <a:buFont typeface="Wingdings" panose="05000000000000000000" pitchFamily="2" charset="2"/>
-              <a:buChar char="ü"/>
-            </a:pPr>
-            <a:r>
-              <a:rPr lang="en-US" altLang="zh-CN" sz="900" b="1" dirty="0">
-                <a:solidFill>
-                  <a:srgbClr val="444444"/>
-                </a:solidFill>
+            <a:r>
+              <a:rPr lang="en-US" altLang="ko-KR" sz="900" dirty="0">
+                <a:latin typeface="Arial" pitchFamily="34" charset="0"/>
+                <a:cs typeface="Arial" pitchFamily="34" charset="0"/>
+              </a:rPr>
+              <a:t>dense_2 (Dense)              (None, 10)                410       </a:t>
+            </a:r>
+          </a:p>
+          <a:p>
+            <a:r>
+              <a:rPr lang="en-US" altLang="ko-KR" sz="900" dirty="0">
+                <a:latin typeface="Arial" pitchFamily="34" charset="0"/>
+                <a:cs typeface="Arial" pitchFamily="34" charset="0"/>
               </a:rPr>
               <a:t>_________________________________________________________________</a:t>
             </a:r>
           </a:p>
           <a:p>
-            <a:pPr marL="285750" indent="-285750">
-              <a:buFont typeface="Wingdings" panose="05000000000000000000" pitchFamily="2" charset="2"/>
-              <a:buChar char="ü"/>
-            </a:pPr>
-            <a:r>
-              <a:rPr lang="en-US" altLang="zh-CN" sz="900" b="1" dirty="0">
-                <a:solidFill>
-                  <a:srgbClr val="444444"/>
-                </a:solidFill>
-              </a:rPr>
-              <a:t>dropout_18 (Dropout)         (None, 4096)              0         </a:t>
-            </a:r>
-          </a:p>
-          <a:p>
-            <a:pPr marL="285750" indent="-285750">
-              <a:buFont typeface="Wingdings" panose="05000000000000000000" pitchFamily="2" charset="2"/>
-              <a:buChar char="ü"/>
-            </a:pPr>
-            <a:r>
-              <a:rPr lang="en-US" altLang="zh-CN" sz="900" b="1" dirty="0">
-                <a:solidFill>
-                  <a:srgbClr val="444444"/>
-                </a:solidFill>
+            <a:r>
+              <a:rPr lang="en-US" altLang="ko-KR" sz="900" dirty="0">
+                <a:latin typeface="Arial" pitchFamily="34" charset="0"/>
+                <a:cs typeface="Arial" pitchFamily="34" charset="0"/>
+              </a:rPr>
+              <a:t>activation_7 (Activation)    (None, 10)                0         </a:t>
+            </a:r>
+          </a:p>
+          <a:p>
+            <a:r>
+              <a:rPr lang="en-US" altLang="ko-KR" sz="900" dirty="0">
+                <a:latin typeface="Arial" pitchFamily="34" charset="0"/>
+                <a:cs typeface="Arial" pitchFamily="34" charset="0"/>
               </a:rPr>
               <a:t>_________________________________________________________________</a:t>
             </a:r>
           </a:p>
           <a:p>
-            <a:pPr marL="285750" indent="-285750">
-              <a:buFont typeface="Wingdings" panose="05000000000000000000" pitchFamily="2" charset="2"/>
-              <a:buChar char="ü"/>
-            </a:pPr>
-            <a:r>
-              <a:rPr lang="en-US" altLang="zh-CN" sz="900" b="1" dirty="0">
-                <a:solidFill>
-                  <a:srgbClr val="444444"/>
-                </a:solidFill>
-              </a:rPr>
-              <a:t>batch_normalization_21 (</a:t>
-            </a:r>
-            <a:r>
-              <a:rPr lang="en-US" altLang="zh-CN" sz="900" b="1" dirty="0" err="1">
-                <a:solidFill>
-                  <a:srgbClr val="444444"/>
-                </a:solidFill>
-              </a:rPr>
-              <a:t>Batc</a:t>
-            </a:r>
-            <a:r>
-              <a:rPr lang="en-US" altLang="zh-CN" sz="900" b="1" dirty="0">
-                <a:solidFill>
-                  <a:srgbClr val="444444"/>
-                </a:solidFill>
-              </a:rPr>
-              <a:t> (None, 4096)              16384     </a:t>
-            </a:r>
-          </a:p>
-          <a:p>
-            <a:pPr marL="285750" indent="-285750">
-              <a:buFont typeface="Wingdings" panose="05000000000000000000" pitchFamily="2" charset="2"/>
-              <a:buChar char="ü"/>
-            </a:pPr>
-            <a:r>
-              <a:rPr lang="en-US" altLang="zh-CN" sz="900" b="1" dirty="0">
-                <a:solidFill>
-                  <a:srgbClr val="444444"/>
-                </a:solidFill>
+            <a:r>
+              <a:rPr lang="en-US" altLang="ko-KR" sz="900" dirty="0">
+                <a:latin typeface="Arial" pitchFamily="34" charset="0"/>
+                <a:cs typeface="Arial" pitchFamily="34" charset="0"/>
+              </a:rPr>
+              <a:t>dropout_2 (Dropout)          (None, 10)                0         </a:t>
+            </a:r>
+          </a:p>
+          <a:p>
+            <a:r>
+              <a:rPr lang="en-US" altLang="ko-KR" sz="900" dirty="0">
+                <a:latin typeface="Arial" pitchFamily="34" charset="0"/>
+                <a:cs typeface="Arial" pitchFamily="34" charset="0"/>
               </a:rPr>
               <a:t>_________________________________________________________________</a:t>
             </a:r>
           </a:p>
           <a:p>
-            <a:pPr marL="285750" indent="-285750">
-              <a:buFont typeface="Wingdings" panose="05000000000000000000" pitchFamily="2" charset="2"/>
-              <a:buChar char="ü"/>
-            </a:pPr>
-            <a:r>
-              <a:rPr lang="en-US" altLang="zh-CN" sz="900" b="1" dirty="0">
-                <a:solidFill>
-                  <a:srgbClr val="444444"/>
-                </a:solidFill>
-              </a:rPr>
-              <a:t>dense_31 (Dense)             (None, 4096)              16781312  </a:t>
-            </a:r>
-          </a:p>
-          <a:p>
-            <a:pPr marL="285750" indent="-285750">
-              <a:buFont typeface="Wingdings" panose="05000000000000000000" pitchFamily="2" charset="2"/>
-              <a:buChar char="ü"/>
-            </a:pPr>
-            <a:r>
-              <a:rPr lang="en-US" altLang="zh-CN" sz="900" b="1" dirty="0">
-                <a:solidFill>
-                  <a:srgbClr val="444444"/>
-                </a:solidFill>
+            <a:r>
+              <a:rPr lang="en-US" altLang="ko-KR" sz="900" dirty="0">
+                <a:latin typeface="Arial" pitchFamily="34" charset="0"/>
+                <a:cs typeface="Arial" pitchFamily="34" charset="0"/>
+              </a:rPr>
+              <a:t>dense_3 (Dense)              (None, 1)                 11        </a:t>
+            </a:r>
+          </a:p>
+          <a:p>
+            <a:r>
+              <a:rPr lang="en-US" altLang="ko-KR" sz="900" dirty="0">
+                <a:latin typeface="Arial" pitchFamily="34" charset="0"/>
+                <a:cs typeface="Arial" pitchFamily="34" charset="0"/>
               </a:rPr>
               <a:t>_________________________________________________________________</a:t>
             </a:r>
           </a:p>
           <a:p>
-            <a:pPr marL="285750" indent="-285750">
-              <a:buFont typeface="Wingdings" panose="05000000000000000000" pitchFamily="2" charset="2"/>
-              <a:buChar char="ü"/>
-            </a:pPr>
-            <a:r>
-              <a:rPr lang="en-US" altLang="zh-CN" sz="900" b="1" dirty="0">
-                <a:solidFill>
-                  <a:srgbClr val="444444"/>
-                </a:solidFill>
-              </a:rPr>
-              <a:t>activation_33 (Activation)   (None, 4096)              0         </a:t>
-            </a:r>
-          </a:p>
-          <a:p>
-            <a:pPr marL="285750" indent="-285750">
-              <a:buFont typeface="Wingdings" panose="05000000000000000000" pitchFamily="2" charset="2"/>
-              <a:buChar char="ü"/>
-            </a:pPr>
-            <a:r>
-              <a:rPr lang="en-US" altLang="zh-CN" sz="900" b="1" dirty="0">
-                <a:solidFill>
-                  <a:srgbClr val="444444"/>
-                </a:solidFill>
-              </a:rPr>
-              <a:t>_________________________________________________________________</a:t>
-            </a:r>
-          </a:p>
-          <a:p>
-            <a:pPr marL="285750" indent="-285750">
-              <a:buFont typeface="Wingdings" panose="05000000000000000000" pitchFamily="2" charset="2"/>
-              <a:buChar char="ü"/>
-            </a:pPr>
-            <a:r>
-              <a:rPr lang="en-US" altLang="zh-CN" sz="900" b="1" dirty="0">
-                <a:solidFill>
-                  <a:srgbClr val="444444"/>
-                </a:solidFill>
-              </a:rPr>
-              <a:t>dropout_19 (Dropout)         (None, 4096)              0         </a:t>
-            </a:r>
-          </a:p>
-          <a:p>
-            <a:pPr marL="285750" indent="-285750">
-              <a:buFont typeface="Wingdings" panose="05000000000000000000" pitchFamily="2" charset="2"/>
-              <a:buChar char="ü"/>
-            </a:pPr>
-            <a:r>
-              <a:rPr lang="en-US" altLang="zh-CN" sz="900" b="1" dirty="0">
-                <a:solidFill>
-                  <a:srgbClr val="444444"/>
-                </a:solidFill>
-              </a:rPr>
-              <a:t>_________________________________________________________________</a:t>
-            </a:r>
-          </a:p>
-          <a:p>
-            <a:pPr marL="285750" indent="-285750">
-              <a:buFont typeface="Wingdings" panose="05000000000000000000" pitchFamily="2" charset="2"/>
-              <a:buChar char="ü"/>
-            </a:pPr>
-            <a:r>
-              <a:rPr lang="en-US" altLang="zh-CN" sz="900" b="1" dirty="0">
-                <a:solidFill>
-                  <a:srgbClr val="444444"/>
-                </a:solidFill>
-              </a:rPr>
-              <a:t>batch_normalization_22 (</a:t>
-            </a:r>
-            <a:r>
-              <a:rPr lang="en-US" altLang="zh-CN" sz="900" b="1" dirty="0" err="1">
-                <a:solidFill>
-                  <a:srgbClr val="444444"/>
-                </a:solidFill>
-              </a:rPr>
-              <a:t>Batc</a:t>
-            </a:r>
-            <a:r>
-              <a:rPr lang="en-US" altLang="zh-CN" sz="900" b="1" dirty="0">
-                <a:solidFill>
-                  <a:srgbClr val="444444"/>
-                </a:solidFill>
-              </a:rPr>
-              <a:t> (None, 4096)              16384     </a:t>
-            </a:r>
-          </a:p>
-          <a:p>
-            <a:pPr marL="285750" indent="-285750">
-              <a:buFont typeface="Wingdings" panose="05000000000000000000" pitchFamily="2" charset="2"/>
-              <a:buChar char="ü"/>
-            </a:pPr>
-            <a:r>
-              <a:rPr lang="en-US" altLang="zh-CN" sz="900" b="1" dirty="0">
-                <a:solidFill>
-                  <a:srgbClr val="444444"/>
-                </a:solidFill>
-              </a:rPr>
-              <a:t>_________________________________________________________________</a:t>
-            </a:r>
-          </a:p>
-          <a:p>
-            <a:pPr marL="285750" indent="-285750">
-              <a:buFont typeface="Wingdings" panose="05000000000000000000" pitchFamily="2" charset="2"/>
-              <a:buChar char="ü"/>
-            </a:pPr>
-            <a:r>
-              <a:rPr lang="en-US" altLang="zh-CN" sz="900" b="1" dirty="0">
-                <a:solidFill>
-                  <a:srgbClr val="444444"/>
-                </a:solidFill>
-              </a:rPr>
-              <a:t>dense_32 (Dense)             (None, 1000)              4097000   </a:t>
-            </a:r>
-          </a:p>
-          <a:p>
-            <a:pPr marL="285750" indent="-285750">
-              <a:buFont typeface="Wingdings" panose="05000000000000000000" pitchFamily="2" charset="2"/>
-              <a:buChar char="ü"/>
-            </a:pPr>
-            <a:r>
-              <a:rPr lang="en-US" altLang="zh-CN" sz="900" b="1" dirty="0">
-                <a:solidFill>
-                  <a:srgbClr val="444444"/>
-                </a:solidFill>
-              </a:rPr>
-              <a:t>_________________________________________________________________</a:t>
-            </a:r>
-          </a:p>
-          <a:p>
-            <a:pPr marL="285750" indent="-285750">
-              <a:buFont typeface="Wingdings" panose="05000000000000000000" pitchFamily="2" charset="2"/>
-              <a:buChar char="ü"/>
-            </a:pPr>
-            <a:r>
-              <a:rPr lang="en-US" altLang="zh-CN" sz="900" b="1" dirty="0">
-                <a:solidFill>
-                  <a:srgbClr val="444444"/>
-                </a:solidFill>
-              </a:rPr>
-              <a:t>activation_34 (Activation)   (None, 1000)              0         </a:t>
-            </a:r>
-          </a:p>
-          <a:p>
-            <a:pPr marL="285750" indent="-285750">
-              <a:buFont typeface="Wingdings" panose="05000000000000000000" pitchFamily="2" charset="2"/>
-              <a:buChar char="ü"/>
-            </a:pPr>
-            <a:r>
-              <a:rPr lang="en-US" altLang="zh-CN" sz="900" b="1" dirty="0">
-                <a:solidFill>
-                  <a:srgbClr val="444444"/>
-                </a:solidFill>
-              </a:rPr>
-              <a:t>_________________________________________________________________</a:t>
-            </a:r>
-          </a:p>
-          <a:p>
-            <a:pPr marL="285750" indent="-285750">
-              <a:buFont typeface="Wingdings" panose="05000000000000000000" pitchFamily="2" charset="2"/>
-              <a:buChar char="ü"/>
-            </a:pPr>
-            <a:r>
-              <a:rPr lang="en-US" altLang="zh-CN" sz="900" b="1" dirty="0">
-                <a:solidFill>
-                  <a:srgbClr val="444444"/>
-                </a:solidFill>
-              </a:rPr>
-              <a:t>dropout_20 (Dropout)         (None, 1000)              0         </a:t>
-            </a:r>
-          </a:p>
-          <a:p>
-            <a:pPr marL="285750" indent="-285750">
-              <a:buFont typeface="Wingdings" panose="05000000000000000000" pitchFamily="2" charset="2"/>
-              <a:buChar char="ü"/>
-            </a:pPr>
-            <a:r>
-              <a:rPr lang="en-US" altLang="zh-CN" sz="900" b="1" dirty="0">
-                <a:solidFill>
-                  <a:srgbClr val="444444"/>
-                </a:solidFill>
-              </a:rPr>
-              <a:t>_________________________________________________________________</a:t>
-            </a:r>
-          </a:p>
-          <a:p>
-            <a:pPr marL="285750" indent="-285750">
-              <a:buFont typeface="Wingdings" panose="05000000000000000000" pitchFamily="2" charset="2"/>
-              <a:buChar char="ü"/>
-            </a:pPr>
-            <a:r>
-              <a:rPr lang="en-US" altLang="zh-CN" sz="900" b="1" dirty="0">
-                <a:solidFill>
-                  <a:srgbClr val="444444"/>
-                </a:solidFill>
-              </a:rPr>
-              <a:t>batch_normalization_23 (</a:t>
-            </a:r>
-            <a:r>
-              <a:rPr lang="en-US" altLang="zh-CN" sz="900" b="1" dirty="0" err="1">
-                <a:solidFill>
-                  <a:srgbClr val="444444"/>
-                </a:solidFill>
-              </a:rPr>
-              <a:t>Batc</a:t>
-            </a:r>
-            <a:r>
-              <a:rPr lang="en-US" altLang="zh-CN" sz="900" b="1" dirty="0">
-                <a:solidFill>
-                  <a:srgbClr val="444444"/>
-                </a:solidFill>
-              </a:rPr>
-              <a:t> (None, 1000)              4000      </a:t>
-            </a:r>
-          </a:p>
-          <a:p>
-            <a:pPr marL="285750" indent="-285750">
-              <a:buFont typeface="Wingdings" panose="05000000000000000000" pitchFamily="2" charset="2"/>
-              <a:buChar char="ü"/>
-            </a:pPr>
-            <a:r>
-              <a:rPr lang="en-US" altLang="zh-CN" sz="900" b="1" dirty="0">
-                <a:solidFill>
-                  <a:srgbClr val="444444"/>
-                </a:solidFill>
-              </a:rPr>
-              <a:t>_________________________________________________________________</a:t>
-            </a:r>
-          </a:p>
-          <a:p>
-            <a:pPr marL="285750" indent="-285750">
-              <a:buFont typeface="Wingdings" panose="05000000000000000000" pitchFamily="2" charset="2"/>
-              <a:buChar char="ü"/>
-            </a:pPr>
-            <a:r>
-              <a:rPr lang="en-US" altLang="zh-CN" sz="900" b="1" dirty="0">
-                <a:solidFill>
-                  <a:srgbClr val="444444"/>
-                </a:solidFill>
-              </a:rPr>
-              <a:t>dense_33 (Dense)             (None, 1)                 1001      </a:t>
-            </a:r>
-          </a:p>
-          <a:p>
-            <a:pPr marL="285750" indent="-285750">
-              <a:buFont typeface="Wingdings" panose="05000000000000000000" pitchFamily="2" charset="2"/>
-              <a:buChar char="ü"/>
-            </a:pPr>
-            <a:r>
-              <a:rPr lang="en-US" altLang="zh-CN" sz="900" b="1" dirty="0">
-                <a:solidFill>
-                  <a:srgbClr val="444444"/>
-                </a:solidFill>
-              </a:rPr>
-              <a:t>_________________________________________________________________</a:t>
-            </a:r>
-          </a:p>
-          <a:p>
-            <a:pPr marL="285750" indent="-285750">
-              <a:buFont typeface="Wingdings" panose="05000000000000000000" pitchFamily="2" charset="2"/>
-              <a:buChar char="ü"/>
-            </a:pPr>
-            <a:r>
-              <a:rPr lang="en-US" altLang="zh-CN" sz="900" b="1" dirty="0">
-                <a:solidFill>
-                  <a:srgbClr val="444444"/>
-                </a:solidFill>
-              </a:rPr>
-              <a:t>activation_35 (Activation)   (None, 1)                 0         </a:t>
-            </a:r>
-          </a:p>
-          <a:p>
-            <a:pPr marL="285750" indent="-285750">
-              <a:buFont typeface="Wingdings" panose="05000000000000000000" pitchFamily="2" charset="2"/>
-              <a:buChar char="ü"/>
-            </a:pPr>
-            <a:r>
-              <a:rPr lang="en-US" altLang="zh-CN" sz="900" b="1" dirty="0">
-                <a:solidFill>
-                  <a:srgbClr val="444444"/>
-                </a:solidFill>
+            <a:r>
+              <a:rPr lang="en-US" altLang="ko-KR" sz="900" dirty="0">
+                <a:latin typeface="Arial" pitchFamily="34" charset="0"/>
+                <a:cs typeface="Arial" pitchFamily="34" charset="0"/>
+              </a:rPr>
+              <a:t>activation_8 (Activation)    (None, 1)                 0         </a:t>
+            </a:r>
+          </a:p>
+          <a:p>
+            <a:r>
+              <a:rPr lang="en-US" altLang="ko-KR" sz="900" dirty="0">
+                <a:latin typeface="Arial" pitchFamily="34" charset="0"/>
+                <a:cs typeface="Arial" pitchFamily="34" charset="0"/>
               </a:rPr>
               <a:t>=================================================================</a:t>
             </a:r>
           </a:p>
           <a:p>
-            <a:pPr marL="285750" indent="-285750">
-              <a:buFont typeface="Wingdings" panose="05000000000000000000" pitchFamily="2" charset="2"/>
-              <a:buChar char="ü"/>
-            </a:pPr>
-            <a:r>
-              <a:rPr lang="en-US" altLang="zh-CN" sz="900" b="1" dirty="0">
-                <a:solidFill>
-                  <a:srgbClr val="444444"/>
-                </a:solidFill>
-              </a:rPr>
-              <a:t>Total params: 28,080,753</a:t>
-            </a:r>
-          </a:p>
-          <a:p>
-            <a:pPr marL="285750" indent="-285750">
-              <a:buFont typeface="Wingdings" panose="05000000000000000000" pitchFamily="2" charset="2"/>
-              <a:buChar char="ü"/>
-            </a:pPr>
-            <a:r>
-              <a:rPr lang="en-US" altLang="zh-CN" sz="900" b="1" dirty="0">
-                <a:solidFill>
-                  <a:srgbClr val="444444"/>
-                </a:solidFill>
-              </a:rPr>
-              <a:t>Trainable params: 28,059,617</a:t>
-            </a:r>
-          </a:p>
-          <a:p>
-            <a:pPr marL="285750" indent="-285750">
-              <a:buFont typeface="Wingdings" panose="05000000000000000000" pitchFamily="2" charset="2"/>
-              <a:buChar char="ü"/>
-            </a:pPr>
-            <a:r>
-              <a:rPr lang="en-US" altLang="zh-CN" sz="900" b="1" dirty="0">
-                <a:solidFill>
-                  <a:srgbClr val="444444"/>
-                </a:solidFill>
-              </a:rPr>
-              <a:t>Non-trainable params: 21,136</a:t>
-            </a:r>
-          </a:p>
-          <a:p>
-            <a:pPr marL="285750" indent="-285750">
-              <a:buFont typeface="Wingdings" panose="05000000000000000000" pitchFamily="2" charset="2"/>
-              <a:buChar char="ü"/>
-            </a:pPr>
-            <a:r>
-              <a:rPr lang="en-US" altLang="zh-CN" b="1" dirty="0">
-                <a:solidFill>
-                  <a:srgbClr val="444444"/>
-                </a:solidFill>
-              </a:rPr>
-              <a:t>________________________________</a:t>
-            </a:r>
-          </a:p>
-          <a:p>
-            <a:pPr marL="285750" indent="-285750">
-              <a:buFont typeface="Wingdings" panose="05000000000000000000" pitchFamily="2" charset="2"/>
-              <a:buChar char="ü"/>
-            </a:pPr>
-            <a:endParaRPr lang="en-US" altLang="zh-CN" b="1" dirty="0">
-              <a:solidFill>
-                <a:srgbClr val="444444"/>
-              </a:solidFill>
-            </a:endParaRPr>
-          </a:p>
-          <a:p>
-            <a:endParaRPr lang="en-US" altLang="ko-KR" dirty="0"/>
-          </a:p>
-          <a:p>
-            <a:endParaRPr lang="en-US" altLang="ko-KR" dirty="0">
-              <a:latin typeface="Arial" pitchFamily="34" charset="0"/>
-              <a:cs typeface="Arial" pitchFamily="34" charset="0"/>
-            </a:endParaRPr>
-          </a:p>
-          <a:p>
-            <a:pPr>
-              <a:buFont typeface="Wingdings" pitchFamily="2" charset="2"/>
-              <a:buChar char="ü"/>
-            </a:pPr>
-            <a:endParaRPr lang="en-US" altLang="ko-KR" dirty="0"/>
-          </a:p>
-          <a:p>
-            <a:endParaRPr lang="en-US" altLang="ko-KR" dirty="0"/>
-          </a:p>
-          <a:p>
-            <a:endParaRPr lang="en-US" altLang="ko-KR" dirty="0">
-              <a:latin typeface="Arial" pitchFamily="34" charset="0"/>
-              <a:cs typeface="Arial" pitchFamily="34" charset="0"/>
-            </a:endParaRPr>
-          </a:p>
-          <a:p>
-            <a:endParaRPr lang="en-US" altLang="zh-CN" b="1" i="0" dirty="0">
-              <a:solidFill>
-                <a:srgbClr val="444444"/>
-              </a:solidFill>
-              <a:effectLst/>
-              <a:latin typeface="montserrat" panose="020B0604020202020204" pitchFamily="2" charset="0"/>
-            </a:endParaRPr>
-          </a:p>
-          <a:p>
-            <a:endParaRPr lang="en-US" altLang="zh-CN" b="1" i="0" dirty="0">
-              <a:solidFill>
-                <a:srgbClr val="444444"/>
-              </a:solidFill>
-              <a:effectLst/>
-              <a:latin typeface="montserrat" panose="020B0604020202020204" pitchFamily="2" charset="0"/>
-            </a:endParaRPr>
-          </a:p>
-          <a:p>
-            <a:endParaRPr lang="en-US" altLang="ko-KR" dirty="0">
-              <a:latin typeface="Arial" pitchFamily="34" charset="0"/>
-              <a:cs typeface="Arial" pitchFamily="34" charset="0"/>
-            </a:endParaRPr>
+            <a:r>
+              <a:rPr lang="en-US" altLang="ko-KR" sz="900" dirty="0">
+                <a:latin typeface="Arial" pitchFamily="34" charset="0"/>
+                <a:cs typeface="Arial" pitchFamily="34" charset="0"/>
+              </a:rPr>
+              <a:t>Total params: 45,499</a:t>
+            </a:r>
+          </a:p>
+          <a:p>
+            <a:r>
+              <a:rPr lang="en-US" altLang="ko-KR" sz="900" dirty="0">
+                <a:latin typeface="Arial" pitchFamily="34" charset="0"/>
+                <a:cs typeface="Arial" pitchFamily="34" charset="0"/>
+              </a:rPr>
+              <a:t>Trainable params: 45,499</a:t>
+            </a:r>
+          </a:p>
+          <a:p>
+            <a:r>
+              <a:rPr lang="en-US" altLang="ko-KR" sz="900" dirty="0">
+                <a:latin typeface="Arial" pitchFamily="34" charset="0"/>
+                <a:cs typeface="Arial" pitchFamily="34" charset="0"/>
+              </a:rPr>
+              <a:t>Non-trainable params: 0</a:t>
+            </a:r>
           </a:p>
         </p:txBody>
       </p:sp>
